--- a/best/notes.pptx
+++ b/best/notes.pptx
@@ -252,7 +252,7 @@
           <a:p>
             <a:fld id="{39048078-444C-4492-85A1-5E62E44E5E04}" type="datetimeFigureOut">
               <a:rPr lang="en-US" smtClean="0"/>
-              <a:t>29-Dec-20</a:t>
+              <a:t>30-Dec-20</a:t>
             </a:fld>
             <a:endParaRPr lang="en-US"/>
           </a:p>
@@ -422,7 +422,7 @@
           <a:p>
             <a:fld id="{39048078-444C-4492-85A1-5E62E44E5E04}" type="datetimeFigureOut">
               <a:rPr lang="en-US" smtClean="0"/>
-              <a:t>29-Dec-20</a:t>
+              <a:t>30-Dec-20</a:t>
             </a:fld>
             <a:endParaRPr lang="en-US"/>
           </a:p>
@@ -602,7 +602,7 @@
           <a:p>
             <a:fld id="{39048078-444C-4492-85A1-5E62E44E5E04}" type="datetimeFigureOut">
               <a:rPr lang="en-US" smtClean="0"/>
-              <a:t>29-Dec-20</a:t>
+              <a:t>30-Dec-20</a:t>
             </a:fld>
             <a:endParaRPr lang="en-US"/>
           </a:p>
@@ -772,7 +772,7 @@
           <a:p>
             <a:fld id="{39048078-444C-4492-85A1-5E62E44E5E04}" type="datetimeFigureOut">
               <a:rPr lang="en-US" smtClean="0"/>
-              <a:t>29-Dec-20</a:t>
+              <a:t>30-Dec-20</a:t>
             </a:fld>
             <a:endParaRPr lang="en-US"/>
           </a:p>
@@ -1018,7 +1018,7 @@
           <a:p>
             <a:fld id="{39048078-444C-4492-85A1-5E62E44E5E04}" type="datetimeFigureOut">
               <a:rPr lang="en-US" smtClean="0"/>
-              <a:t>29-Dec-20</a:t>
+              <a:t>30-Dec-20</a:t>
             </a:fld>
             <a:endParaRPr lang="en-US"/>
           </a:p>
@@ -1250,7 +1250,7 @@
           <a:p>
             <a:fld id="{39048078-444C-4492-85A1-5E62E44E5E04}" type="datetimeFigureOut">
               <a:rPr lang="en-US" smtClean="0"/>
-              <a:t>29-Dec-20</a:t>
+              <a:t>30-Dec-20</a:t>
             </a:fld>
             <a:endParaRPr lang="en-US"/>
           </a:p>
@@ -1617,7 +1617,7 @@
           <a:p>
             <a:fld id="{39048078-444C-4492-85A1-5E62E44E5E04}" type="datetimeFigureOut">
               <a:rPr lang="en-US" smtClean="0"/>
-              <a:t>29-Dec-20</a:t>
+              <a:t>30-Dec-20</a:t>
             </a:fld>
             <a:endParaRPr lang="en-US"/>
           </a:p>
@@ -1735,7 +1735,7 @@
           <a:p>
             <a:fld id="{39048078-444C-4492-85A1-5E62E44E5E04}" type="datetimeFigureOut">
               <a:rPr lang="en-US" smtClean="0"/>
-              <a:t>29-Dec-20</a:t>
+              <a:t>30-Dec-20</a:t>
             </a:fld>
             <a:endParaRPr lang="en-US"/>
           </a:p>
@@ -1830,7 +1830,7 @@
           <a:p>
             <a:fld id="{39048078-444C-4492-85A1-5E62E44E5E04}" type="datetimeFigureOut">
               <a:rPr lang="en-US" smtClean="0"/>
-              <a:t>29-Dec-20</a:t>
+              <a:t>30-Dec-20</a:t>
             </a:fld>
             <a:endParaRPr lang="en-US"/>
           </a:p>
@@ -2107,7 +2107,7 @@
           <a:p>
             <a:fld id="{39048078-444C-4492-85A1-5E62E44E5E04}" type="datetimeFigureOut">
               <a:rPr lang="en-US" smtClean="0"/>
-              <a:t>29-Dec-20</a:t>
+              <a:t>30-Dec-20</a:t>
             </a:fld>
             <a:endParaRPr lang="en-US"/>
           </a:p>
@@ -2360,7 +2360,7 @@
           <a:p>
             <a:fld id="{39048078-444C-4492-85A1-5E62E44E5E04}" type="datetimeFigureOut">
               <a:rPr lang="en-US" smtClean="0"/>
-              <a:t>29-Dec-20</a:t>
+              <a:t>30-Dec-20</a:t>
             </a:fld>
             <a:endParaRPr lang="en-US"/>
           </a:p>
@@ -2573,7 +2573,7 @@
           <a:p>
             <a:fld id="{39048078-444C-4492-85A1-5E62E44E5E04}" type="datetimeFigureOut">
               <a:rPr lang="en-US" smtClean="0"/>
-              <a:t>29-Dec-20</a:t>
+              <a:t>30-Dec-20</a:t>
             </a:fld>
             <a:endParaRPr lang="en-US"/>
           </a:p>
@@ -3417,15 +3417,7 @@
           <a:p>
             <a:r>
               <a:rPr lang="en-US" dirty="0" smtClean="0"/>
-              <a:t>Class imbalance handling and </a:t>
-            </a:r>
-            <a:r>
-              <a:rPr lang="en-US" dirty="0" smtClean="0"/>
-              <a:t>Train/Test </a:t>
-            </a:r>
-            <a:r>
-              <a:rPr lang="en-US" dirty="0" smtClean="0"/>
-              <a:t>split</a:t>
+              <a:t>Class imbalance handling and Train/Test split</a:t>
             </a:r>
           </a:p>
           <a:p>
@@ -3548,41 +3540,13 @@
           <a:p>
             <a:r>
               <a:rPr lang="en-US" dirty="0" smtClean="0"/>
-              <a:t>Training </a:t>
-            </a:r>
-            <a:r>
-              <a:rPr lang="en-US" dirty="0" smtClean="0"/>
-              <a:t>data has </a:t>
-            </a:r>
-            <a:r>
-              <a:rPr lang="en-US" dirty="0" smtClean="0"/>
-              <a:t>2598 </a:t>
-            </a:r>
-            <a:r>
-              <a:rPr lang="en-US" dirty="0" smtClean="0"/>
-              <a:t>entries while testing data has </a:t>
-            </a:r>
-            <a:r>
-              <a:rPr lang="en-US" dirty="0" smtClean="0"/>
-              <a:t>866</a:t>
-            </a:r>
-            <a:r>
-              <a:rPr lang="en-US" dirty="0" smtClean="0"/>
-              <a:t> </a:t>
-            </a:r>
-            <a:r>
-              <a:rPr lang="en-US" dirty="0" smtClean="0"/>
-              <a:t>entries</a:t>
-            </a:r>
-          </a:p>
-          <a:p>
-            <a:r>
-              <a:rPr lang="en-US" dirty="0" smtClean="0"/>
-              <a:t>None </a:t>
-            </a:r>
-            <a:r>
-              <a:rPr lang="en-US" dirty="0" smtClean="0"/>
-              <a:t>of the features have missing values</a:t>
+              <a:t>Training data has 2598 entries while testing data has 866 entries</a:t>
+            </a:r>
+          </a:p>
+          <a:p>
+            <a:r>
+              <a:rPr lang="en-US" dirty="0" smtClean="0"/>
+              <a:t>None of the features have missing values</a:t>
             </a:r>
           </a:p>
           <a:p>
@@ -3677,7 +3641,6 @@
               <a:rPr lang="en-US" dirty="0" smtClean="0"/>
               <a:t>Distribution of Target Classes</a:t>
             </a:r>
-            <a:endParaRPr lang="en-US" dirty="0" smtClean="0"/>
           </a:p>
         </p:txBody>
       </p:sp>
@@ -3709,13 +3672,8 @@
             </a:pPr>
             <a:r>
               <a:rPr lang="en-US" dirty="0" smtClean="0"/>
-              <a:t>Heavily class imbalance is observed. </a:t>
-            </a:r>
-            <a:r>
-              <a:rPr lang="en-US" dirty="0" smtClean="0"/>
-              <a:t>From the above figure, we can clearly see that class 1 (positive sentiment) is very less that class 0 (negative sentiment).</a:t>
-            </a:r>
-            <a:endParaRPr lang="en-US" dirty="0" smtClean="0"/>
+              <a:t>Heavily class imbalance is observed. From the above figure, we can clearly see that class 1 (positive sentiment) is very less that class 0 (negative sentiment).</a:t>
+            </a:r>
           </a:p>
         </p:txBody>
       </p:sp>
@@ -3815,13 +3773,8 @@
           <a:p>
             <a:r>
               <a:rPr lang="en-US" dirty="0" smtClean="0"/>
-              <a:t>Here, </a:t>
-            </a:r>
-            <a:r>
-              <a:rPr lang="en-US" dirty="0" smtClean="0"/>
-              <a:t>following 3 different NLP techniques are tried to vectorize the text feature:</a:t>
-            </a:r>
-            <a:endParaRPr lang="en-US" dirty="0" smtClean="0"/>
+              <a:t>Here, following 3 different NLP techniques are tried to vectorize the text feature:</a:t>
+            </a:r>
           </a:p>
           <a:p>
             <a:endParaRPr lang="en-US" dirty="0" smtClean="0"/>
@@ -3845,11 +3798,7 @@
             </a:r>
             <a:r>
               <a:rPr lang="en-US" dirty="0" smtClean="0"/>
-              <a:t>c</a:t>
-            </a:r>
-            <a:r>
-              <a:rPr lang="en-US" dirty="0" smtClean="0"/>
-              <a:t>onverts </a:t>
+              <a:t>converts </a:t>
             </a:r>
             <a:r>
               <a:rPr lang="en-US" dirty="0"/>
@@ -3915,7 +3864,6 @@
               <a:rPr lang="en-US" dirty="0"/>
               <a:t>a collection of text documents to a matrix of token occurrences</a:t>
             </a:r>
-            <a:endParaRPr lang="en-US" dirty="0"/>
           </a:p>
         </p:txBody>
       </p:sp>
@@ -3966,15 +3914,7 @@
           <a:p>
             <a:r>
               <a:rPr lang="en-US" dirty="0" smtClean="0"/>
-              <a:t>Class imbalance handling and </a:t>
-            </a:r>
-            <a:r>
-              <a:rPr lang="en-US" dirty="0" smtClean="0"/>
-              <a:t>Train/Test </a:t>
-            </a:r>
-            <a:r>
-              <a:rPr lang="en-US" dirty="0" smtClean="0"/>
-              <a:t>split</a:t>
+              <a:t>Class imbalance handling and Train/Test split</a:t>
             </a:r>
             <a:endParaRPr lang="en-US" dirty="0"/>
           </a:p>
@@ -4005,11 +3945,7 @@
             </a:r>
             <a:r>
               <a:rPr lang="en-US" dirty="0" smtClean="0"/>
-              <a:t> </a:t>
-            </a:r>
-            <a:r>
-              <a:rPr lang="en-US" dirty="0" smtClean="0"/>
-              <a:t>has imbalance between two classes. </a:t>
+              <a:t> has imbalance between two classes. </a:t>
             </a:r>
           </a:p>
           <a:p>
@@ -4049,23 +3985,23 @@
             </a:r>
             <a:r>
               <a:rPr lang="en-US" b="1" dirty="0" smtClean="0"/>
-              <a:t>80:20</a:t>
-            </a:r>
-            <a:r>
-              <a:rPr lang="en-US" dirty="0" smtClean="0"/>
-              <a:t> splitting of training and validation data lead to higher </a:t>
+              <a:t>9</a:t>
+            </a:r>
+            <a:r>
+              <a:rPr lang="en-US" b="1" dirty="0" smtClean="0"/>
+              <a:t>0:10</a:t>
+            </a:r>
+            <a:r>
+              <a:rPr lang="en-US" dirty="0" smtClean="0"/>
+              <a:t> </a:t>
+            </a:r>
+            <a:r>
+              <a:rPr lang="en-US" dirty="0" smtClean="0"/>
+              <a:t>splitting of training and validation data lead to higher </a:t>
             </a:r>
             <a:r>
               <a:rPr lang="en-US" b="1" i="1" dirty="0" smtClean="0"/>
-              <a:t>precision</a:t>
-            </a:r>
-            <a:r>
-              <a:rPr lang="en-US" b="1" i="1" dirty="0" smtClean="0"/>
-              <a:t> </a:t>
-            </a:r>
-            <a:r>
-              <a:rPr lang="en-US" b="1" i="1" dirty="0" smtClean="0"/>
-              <a:t>score</a:t>
+              <a:t>precision score</a:t>
             </a:r>
             <a:r>
               <a:rPr lang="en-US" dirty="0" smtClean="0"/>
@@ -4384,11 +4320,7 @@
             </a:pPr>
             <a:r>
               <a:rPr lang="en-US" sz="2400" dirty="0" smtClean="0"/>
-              <a:t>Random </a:t>
-            </a:r>
-            <a:r>
-              <a:rPr lang="en-US" sz="2400" dirty="0" smtClean="0"/>
-              <a:t>Forest</a:t>
+              <a:t>Random Forest</a:t>
             </a:r>
           </a:p>
           <a:p>
@@ -4432,6 +4364,21 @@
               <a:t>Classifier</a:t>
             </a:r>
           </a:p>
+          <a:p>
+            <a:pPr marL="457200" indent="-457200">
+              <a:buFont typeface="+mj-lt"/>
+              <a:buAutoNum type="arabicPeriod"/>
+            </a:pPr>
+            <a:r>
+              <a:rPr lang="fr-FR" sz="2400" dirty="0" err="1" smtClean="0"/>
+              <a:t>Linear</a:t>
+            </a:r>
+            <a:r>
+              <a:rPr lang="fr-FR" sz="2400" dirty="0" smtClean="0"/>
+              <a:t> SVC</a:t>
+            </a:r>
+            <a:endParaRPr lang="fr-FR" sz="2400" dirty="0" smtClean="0"/>
+          </a:p>
         </p:txBody>
       </p:sp>
       <p:sp>
@@ -4444,7 +4391,7 @@
         </p:nvSpPr>
         <p:spPr>
           <a:xfrm>
-            <a:off x="838200" y="4462431"/>
+            <a:off x="838200" y="4758648"/>
             <a:ext cx="10515600" cy="814544"/>
           </a:xfrm>
           <a:prstGeom prst="rect">
@@ -4630,19 +4577,11 @@
             </a:r>
             <a:r>
               <a:rPr lang="en-US" sz="2400" dirty="0" smtClean="0"/>
-              <a:t>outperformed </a:t>
-            </a:r>
-            <a:r>
-              <a:rPr lang="en-US" sz="2400" dirty="0" smtClean="0"/>
-              <a:t>all others with having </a:t>
+              <a:t>outperformed all others with having </a:t>
             </a:r>
             <a:r>
               <a:rPr lang="en-US" sz="2400" b="1" dirty="0" smtClean="0"/>
-              <a:t>precision </a:t>
-            </a:r>
-            <a:r>
-              <a:rPr lang="en-US" sz="2400" b="1" dirty="0" smtClean="0"/>
-              <a:t>score</a:t>
+              <a:t>precision score</a:t>
             </a:r>
             <a:r>
               <a:rPr lang="en-US" sz="2400" dirty="0" smtClean="0"/>
@@ -4650,7 +4589,7 @@
             </a:r>
             <a:r>
               <a:rPr lang="en-US" sz="2400" b="1" dirty="0" smtClean="0"/>
-              <a:t>0.96</a:t>
+              <a:t>0.98</a:t>
             </a:r>
             <a:r>
               <a:rPr lang="en-US" sz="2400" dirty="0" smtClean="0"/>
@@ -4658,15 +4597,7 @@
             </a:r>
             <a:r>
               <a:rPr lang="en-US" sz="2400" dirty="0" smtClean="0"/>
-              <a:t>on </a:t>
-            </a:r>
-            <a:r>
-              <a:rPr lang="en-US" sz="2400" dirty="0" smtClean="0"/>
-              <a:t>test </a:t>
-            </a:r>
-            <a:r>
-              <a:rPr lang="en-US" sz="2400" dirty="0" smtClean="0"/>
-              <a:t>data.</a:t>
+              <a:t>on test data.</a:t>
             </a:r>
             <a:endParaRPr lang="en-US" sz="2400" dirty="0"/>
           </a:p>
@@ -4752,11 +4683,7 @@
             </a:r>
             <a:r>
               <a:rPr lang="en-US" sz="2400" dirty="0" smtClean="0"/>
-              <a:t> </a:t>
-            </a:r>
-            <a:r>
-              <a:rPr lang="en-US" sz="2400" dirty="0" smtClean="0"/>
-              <a:t>is used to evaluate the model on test data.</a:t>
+              <a:t> is used to evaluate the model on test data.</a:t>
             </a:r>
           </a:p>
           <a:p>
@@ -4791,7 +4718,6 @@
               <a:rPr lang="en-US" sz="2400" dirty="0"/>
               <a:t>The best value is 1 and the worst value is 0.</a:t>
             </a:r>
-            <a:endParaRPr lang="en-US" sz="2400" dirty="0"/>
           </a:p>
           <a:p>
             <a:r>
@@ -4822,7 +4748,6 @@
               <a:rPr lang="en-US" sz="2400" dirty="0" smtClean="0"/>
               <a:t>FP)</a:t>
             </a:r>
-            <a:endParaRPr lang="en-US" sz="2400" dirty="0" smtClean="0"/>
           </a:p>
         </p:txBody>
       </p:sp>
@@ -4896,11 +4821,7 @@
           <a:p>
             <a:r>
               <a:rPr lang="en-US" dirty="0" smtClean="0"/>
-              <a:t>This is the binary classification problem with imbalanced target classes</a:t>
-            </a:r>
-            <a:r>
-              <a:rPr lang="en-US" dirty="0" smtClean="0"/>
-              <a:t>.</a:t>
+              <a:t>This is the binary classification problem with imbalanced target classes.</a:t>
             </a:r>
           </a:p>
           <a:p>
@@ -4916,7 +4837,6 @@
               <a:rPr lang="en-US" dirty="0" smtClean="0"/>
               <a:t> is already tokenized and converted into numeric values.</a:t>
             </a:r>
-            <a:endParaRPr lang="en-US" dirty="0" smtClean="0"/>
           </a:p>
           <a:p>
             <a:r>
@@ -4925,19 +4845,7 @@
             </a:r>
             <a:r>
               <a:rPr lang="en-US" dirty="0" smtClean="0"/>
-              <a:t> </a:t>
-            </a:r>
-            <a:r>
-              <a:rPr lang="en-US" dirty="0" smtClean="0"/>
-              <a:t>is </a:t>
-            </a:r>
-            <a:r>
-              <a:rPr lang="en-US" dirty="0" smtClean="0"/>
-              <a:t>removed from the data </a:t>
-            </a:r>
-            <a:r>
-              <a:rPr lang="en-US" dirty="0" smtClean="0"/>
-              <a:t>due to unimportance in predicting target variable.</a:t>
+              <a:t> is removed from the data due to unimportance in predicting target variable.</a:t>
             </a:r>
           </a:p>
           <a:p>
@@ -4947,27 +4855,7 @@
             </a:r>
             <a:r>
               <a:rPr lang="en-US" dirty="0" smtClean="0"/>
-              <a:t>performs </a:t>
-            </a:r>
-            <a:r>
-              <a:rPr lang="en-US" dirty="0" smtClean="0"/>
-              <a:t>better </a:t>
-            </a:r>
-            <a:r>
-              <a:rPr lang="en-US" dirty="0" smtClean="0"/>
-              <a:t>compare </a:t>
-            </a:r>
-            <a:r>
-              <a:rPr lang="en-US" dirty="0" smtClean="0"/>
-              <a:t>to other known </a:t>
-            </a:r>
-            <a:r>
-              <a:rPr lang="en-US" dirty="0" smtClean="0"/>
-              <a:t>classifiers </a:t>
-            </a:r>
-            <a:r>
-              <a:rPr lang="en-US" dirty="0" smtClean="0"/>
-              <a:t>with </a:t>
+              <a:t>performs better compare to other known classifiers with </a:t>
             </a:r>
             <a:r>
               <a:rPr lang="en-US" b="1" dirty="0" smtClean="0"/>
@@ -4975,31 +4863,19 @@
             </a:r>
             <a:r>
               <a:rPr lang="en-US" dirty="0" smtClean="0"/>
+              <a:t> of </a:t>
+            </a:r>
+            <a:r>
+              <a:rPr lang="en-US" b="1" dirty="0" smtClean="0"/>
+              <a:t>0.98</a:t>
+            </a:r>
+            <a:r>
+              <a:rPr lang="en-US" dirty="0" smtClean="0"/>
               <a:t> </a:t>
             </a:r>
             <a:r>
               <a:rPr lang="en-US" dirty="0" smtClean="0"/>
-              <a:t>of </a:t>
-            </a:r>
-            <a:r>
-              <a:rPr lang="en-US" b="1" dirty="0" smtClean="0"/>
-              <a:t>0.96</a:t>
-            </a:r>
-            <a:r>
-              <a:rPr lang="en-US" dirty="0" smtClean="0"/>
-              <a:t> </a:t>
-            </a:r>
-            <a:r>
-              <a:rPr lang="en-US" dirty="0" smtClean="0"/>
-              <a:t>on </a:t>
-            </a:r>
-            <a:r>
-              <a:rPr lang="en-US" dirty="0" smtClean="0"/>
-              <a:t>test </a:t>
-            </a:r>
-            <a:r>
-              <a:rPr lang="en-US" dirty="0" smtClean="0"/>
-              <a:t>data.</a:t>
+              <a:t>on test data.</a:t>
             </a:r>
             <a:endParaRPr lang="en-US" b="1" dirty="0"/>
           </a:p>
